--- a/material/综合设计/《综合设计》海报-电池全生命周期健康管理.pptx
+++ b/material/综合设计/《综合设计》海报-电池全生命周期健康管理.pptx
@@ -254,7 +254,7 @@
           <a:p>
             <a:fld id="{D997B5FA-0921-464F-AAE1-844C04324D75}" type="datetimeFigureOut">
               <a:rPr lang="zh-CN" altLang="en-US" smtClean="0"/>
-              <a:t>2024/5/24</a:t>
+              <a:t>2024/5/29</a:t>
             </a:fld>
             <a:endParaRPr lang="zh-CN" altLang="en-US"/>
           </a:p>
@@ -419,7 +419,7 @@
           <a:p>
             <a:fld id="{D997B5FA-0921-464F-AAE1-844C04324D75}" type="datetimeFigureOut">
               <a:rPr lang="zh-CN" altLang="en-US" smtClean="0"/>
-              <a:t>2024/5/24</a:t>
+              <a:t>2024/5/29</a:t>
             </a:fld>
             <a:endParaRPr lang="zh-CN" altLang="en-US"/>
           </a:p>
@@ -594,7 +594,7 @@
           <a:p>
             <a:fld id="{D997B5FA-0921-464F-AAE1-844C04324D75}" type="datetimeFigureOut">
               <a:rPr lang="zh-CN" altLang="en-US" smtClean="0"/>
-              <a:t>2024/5/24</a:t>
+              <a:t>2024/5/29</a:t>
             </a:fld>
             <a:endParaRPr lang="zh-CN" altLang="en-US"/>
           </a:p>
@@ -759,7 +759,7 @@
           <a:p>
             <a:fld id="{D997B5FA-0921-464F-AAE1-844C04324D75}" type="datetimeFigureOut">
               <a:rPr lang="zh-CN" altLang="en-US" smtClean="0"/>
-              <a:t>2024/5/24</a:t>
+              <a:t>2024/5/29</a:t>
             </a:fld>
             <a:endParaRPr lang="zh-CN" altLang="en-US"/>
           </a:p>
@@ -998,7 +998,7 @@
           <a:p>
             <a:fld id="{D997B5FA-0921-464F-AAE1-844C04324D75}" type="datetimeFigureOut">
               <a:rPr lang="zh-CN" altLang="en-US" smtClean="0"/>
-              <a:t>2024/5/24</a:t>
+              <a:t>2024/5/29</a:t>
             </a:fld>
             <a:endParaRPr lang="zh-CN" altLang="en-US"/>
           </a:p>
@@ -1225,7 +1225,7 @@
           <a:p>
             <a:fld id="{D997B5FA-0921-464F-AAE1-844C04324D75}" type="datetimeFigureOut">
               <a:rPr lang="zh-CN" altLang="en-US" smtClean="0"/>
-              <a:t>2024/5/24</a:t>
+              <a:t>2024/5/29</a:t>
             </a:fld>
             <a:endParaRPr lang="zh-CN" altLang="en-US"/>
           </a:p>
@@ -1587,7 +1587,7 @@
           <a:p>
             <a:fld id="{D997B5FA-0921-464F-AAE1-844C04324D75}" type="datetimeFigureOut">
               <a:rPr lang="zh-CN" altLang="en-US" smtClean="0"/>
-              <a:t>2024/5/24</a:t>
+              <a:t>2024/5/29</a:t>
             </a:fld>
             <a:endParaRPr lang="zh-CN" altLang="en-US"/>
           </a:p>
@@ -1700,7 +1700,7 @@
           <a:p>
             <a:fld id="{D997B5FA-0921-464F-AAE1-844C04324D75}" type="datetimeFigureOut">
               <a:rPr lang="zh-CN" altLang="en-US" smtClean="0"/>
-              <a:t>2024/5/24</a:t>
+              <a:t>2024/5/29</a:t>
             </a:fld>
             <a:endParaRPr lang="zh-CN" altLang="en-US"/>
           </a:p>
@@ -1790,7 +1790,7 @@
           <a:p>
             <a:fld id="{D997B5FA-0921-464F-AAE1-844C04324D75}" type="datetimeFigureOut">
               <a:rPr lang="zh-CN" altLang="en-US" smtClean="0"/>
-              <a:t>2024/5/24</a:t>
+              <a:t>2024/5/29</a:t>
             </a:fld>
             <a:endParaRPr lang="zh-CN" altLang="en-US"/>
           </a:p>
@@ -2062,7 +2062,7 @@
           <a:p>
             <a:fld id="{D997B5FA-0921-464F-AAE1-844C04324D75}" type="datetimeFigureOut">
               <a:rPr lang="zh-CN" altLang="en-US" smtClean="0"/>
-              <a:t>2024/5/24</a:t>
+              <a:t>2024/5/29</a:t>
             </a:fld>
             <a:endParaRPr lang="zh-CN" altLang="en-US"/>
           </a:p>
@@ -2314,7 +2314,7 @@
           <a:p>
             <a:fld id="{D997B5FA-0921-464F-AAE1-844C04324D75}" type="datetimeFigureOut">
               <a:rPr lang="zh-CN" altLang="en-US" smtClean="0"/>
-              <a:t>2024/5/24</a:t>
+              <a:t>2024/5/29</a:t>
             </a:fld>
             <a:endParaRPr lang="zh-CN" altLang="en-US"/>
           </a:p>
@@ -2522,7 +2522,7 @@
           <a:p>
             <a:fld id="{D997B5FA-0921-464F-AAE1-844C04324D75}" type="datetimeFigureOut">
               <a:rPr lang="zh-CN" altLang="en-US" smtClean="0"/>
-              <a:t>2024/5/24</a:t>
+              <a:t>2024/5/29</a:t>
             </a:fld>
             <a:endParaRPr lang="zh-CN" altLang="en-US"/>
           </a:p>
@@ -3027,7 +3027,7 @@
                 <a:ea typeface="微软雅黑" panose="020B0503020204020204" pitchFamily="34" charset="-122"/>
                 <a:cs typeface="Arial" panose="020B0604020202020204" pitchFamily="34" charset="0"/>
               </a:rPr>
-              <a:t>电池全生命周期健康管理</a:t>
+              <a:t>电池全生命周期健康管理系统</a:t>
             </a:r>
           </a:p>
           <a:p>
@@ -3043,7 +3043,7 @@
                 <a:ea typeface="微软雅黑" panose="020B0503020204020204" pitchFamily="34" charset="-122"/>
                 <a:cs typeface="Arial" panose="020B0604020202020204" pitchFamily="34" charset="0"/>
               </a:rPr>
-              <a:t>Battery Lifecycle Health Management</a:t>
+              <a:t>Battery Lifecycle Health Management System</a:t>
             </a:r>
           </a:p>
         </p:txBody>
@@ -4325,8 +4325,8 @@
         </p:nvSpPr>
         <p:spPr>
           <a:xfrm>
-            <a:off x="10961467" y="17156361"/>
-            <a:ext cx="2302416" cy="400110"/>
+            <a:off x="10998768" y="17019998"/>
+            <a:ext cx="1995254" cy="400110"/>
           </a:xfrm>
           <a:prstGeom prst="rect">
             <a:avLst/>
@@ -4339,6 +4339,7 @@
           </a:bodyPr>
           <a:lstStyle/>
           <a:p>
+            <a:pPr algn="ctr"/>
             <a:r>
               <a:rPr kumimoji="1" lang="zh-CN" altLang="en-US" sz="2000" b="1" spc="300" dirty="0">
                 <a:solidFill>
@@ -4602,10 +4603,10 @@
         </p:nvGrpSpPr>
         <p:grpSpPr>
           <a:xfrm>
-            <a:off x="310222" y="26605865"/>
-            <a:ext cx="8640000" cy="4252077"/>
+            <a:off x="307340" y="26451494"/>
+            <a:ext cx="8640000" cy="4198169"/>
             <a:chOff x="6146087" y="26971334"/>
-            <a:chExt cx="8211544" cy="3747207"/>
+            <a:chExt cx="8211544" cy="3699700"/>
           </a:xfrm>
         </p:grpSpPr>
         <p:sp>
@@ -4616,8 +4617,8 @@
           </p:nvSpPr>
           <p:spPr>
             <a:xfrm>
-              <a:off x="9569621" y="30318431"/>
-              <a:ext cx="1364476" cy="400110"/>
+              <a:off x="9603453" y="30318431"/>
+              <a:ext cx="1296812" cy="352603"/>
             </a:xfrm>
             <a:prstGeom prst="rect">
               <a:avLst/>
@@ -4629,6 +4630,7 @@
             </a:bodyPr>
             <a:lstStyle/>
             <a:p>
+              <a:pPr algn="ctr"/>
               <a:r>
                 <a:rPr kumimoji="1" lang="zh-CN" altLang="en-US" sz="2000" b="1" spc="300" dirty="0">
                   <a:solidFill>
@@ -4687,12 +4689,154 @@
           </p:spPr>
         </p:pic>
       </p:grpSp>
+      <p:sp>
+        <p:nvSpPr>
+          <p:cNvPr id="77" name="矩形 76">
+            <a:extLst>
+              <a:ext uri="{FF2B5EF4-FFF2-40B4-BE49-F238E27FC236}">
+                <a16:creationId xmlns:a16="http://schemas.microsoft.com/office/drawing/2014/main" id="{45AC16AB-AD17-AEFC-4186-7FCA3043C15E}"/>
+              </a:ext>
+            </a:extLst>
+          </p:cNvPr>
+          <p:cNvSpPr/>
+          <p:nvPr/>
+        </p:nvSpPr>
+        <p:spPr>
+          <a:xfrm>
+            <a:off x="10964472" y="21610806"/>
+            <a:ext cx="2029550" cy="400110"/>
+          </a:xfrm>
+          <a:prstGeom prst="rect">
+            <a:avLst/>
+          </a:prstGeom>
+        </p:spPr>
+        <p:txBody>
+          <a:bodyPr wrap="none">
+            <a:spAutoFit/>
+          </a:bodyPr>
+          <a:lstStyle/>
+          <a:p>
+            <a:pPr algn="ctr"/>
+            <a:r>
+              <a:rPr kumimoji="1" lang="zh-CN" altLang="en-US" sz="2000" b="1" spc="300" dirty="0">
+                <a:solidFill>
+                  <a:schemeClr val="bg2">
+                    <a:lumMod val="25000"/>
+                  </a:schemeClr>
+                </a:solidFill>
+                <a:latin typeface="微软雅黑" panose="020B0503020204020204" pitchFamily="34" charset="-122"/>
+                <a:ea typeface="微软雅黑" panose="020B0503020204020204" pitchFamily="34" charset="-122"/>
+                <a:cs typeface="Times New Roman" panose="02020603050405020304" pitchFamily="18" charset="0"/>
+              </a:rPr>
+              <a:t>电化学阻抗谱</a:t>
+            </a:r>
+            <a:endParaRPr lang="zh-CN" sz="2000" dirty="0">
+              <a:latin typeface="微软雅黑" panose="020B0503020204020204" pitchFamily="34" charset="-122"/>
+              <a:ea typeface="微软雅黑" panose="020B0503020204020204" pitchFamily="34" charset="-122"/>
+              <a:cs typeface="Times New Roman" panose="02020603050405020304" pitchFamily="18" charset="0"/>
+            </a:endParaRPr>
+          </a:p>
+        </p:txBody>
+      </p:sp>
+      <p:sp>
+        <p:nvSpPr>
+          <p:cNvPr id="78" name="矩形 77">
+            <a:extLst>
+              <a:ext uri="{FF2B5EF4-FFF2-40B4-BE49-F238E27FC236}">
+                <a16:creationId xmlns:a16="http://schemas.microsoft.com/office/drawing/2014/main" id="{CA5D217E-FD51-EBBC-1054-F1B8E1FC2394}"/>
+              </a:ext>
+            </a:extLst>
+          </p:cNvPr>
+          <p:cNvSpPr/>
+          <p:nvPr/>
+        </p:nvSpPr>
+        <p:spPr>
+          <a:xfrm>
+            <a:off x="10964472" y="25756576"/>
+            <a:ext cx="2029550" cy="400110"/>
+          </a:xfrm>
+          <a:prstGeom prst="rect">
+            <a:avLst/>
+          </a:prstGeom>
+        </p:spPr>
+        <p:txBody>
+          <a:bodyPr wrap="none">
+            <a:spAutoFit/>
+          </a:bodyPr>
+          <a:lstStyle/>
+          <a:p>
+            <a:pPr algn="ctr"/>
+            <a:r>
+              <a:rPr kumimoji="1" lang="zh-CN" altLang="en-US" sz="2000" b="1" spc="300" dirty="0">
+                <a:solidFill>
+                  <a:schemeClr val="bg2">
+                    <a:lumMod val="25000"/>
+                  </a:schemeClr>
+                </a:solidFill>
+                <a:latin typeface="微软雅黑" panose="020B0503020204020204" pitchFamily="34" charset="-122"/>
+                <a:ea typeface="微软雅黑" panose="020B0503020204020204" pitchFamily="34" charset="-122"/>
+                <a:cs typeface="Times New Roman" panose="02020603050405020304" pitchFamily="18" charset="0"/>
+              </a:rPr>
+              <a:t>容量预测结果</a:t>
+            </a:r>
+            <a:endParaRPr lang="zh-CN" sz="2000" dirty="0">
+              <a:latin typeface="微软雅黑" panose="020B0503020204020204" pitchFamily="34" charset="-122"/>
+              <a:ea typeface="微软雅黑" panose="020B0503020204020204" pitchFamily="34" charset="-122"/>
+              <a:cs typeface="Times New Roman" panose="02020603050405020304" pitchFamily="18" charset="0"/>
+            </a:endParaRPr>
+          </a:p>
+        </p:txBody>
+      </p:sp>
+      <p:sp>
+        <p:nvSpPr>
+          <p:cNvPr id="80" name="矩形 79">
+            <a:extLst>
+              <a:ext uri="{FF2B5EF4-FFF2-40B4-BE49-F238E27FC236}">
+                <a16:creationId xmlns:a16="http://schemas.microsoft.com/office/drawing/2014/main" id="{4088E146-BBED-403D-8AFB-19F6C555D414}"/>
+              </a:ext>
+            </a:extLst>
+          </p:cNvPr>
+          <p:cNvSpPr/>
+          <p:nvPr/>
+        </p:nvSpPr>
+        <p:spPr>
+          <a:xfrm>
+            <a:off x="10285292" y="30050994"/>
+            <a:ext cx="3387910" cy="400110"/>
+          </a:xfrm>
+          <a:prstGeom prst="rect">
+            <a:avLst/>
+          </a:prstGeom>
+        </p:spPr>
+        <p:txBody>
+          <a:bodyPr wrap="none">
+            <a:spAutoFit/>
+          </a:bodyPr>
+          <a:lstStyle/>
+          <a:p>
+            <a:pPr algn="ctr"/>
+            <a:r>
+              <a:rPr lang="zh-CN" altLang="en-US" sz="2000" b="1" dirty="0">
+                <a:latin typeface="微软雅黑" panose="020B0503020204020204" pitchFamily="34" charset="-122"/>
+                <a:ea typeface="微软雅黑" panose="020B0503020204020204" pitchFamily="34" charset="-122"/>
+                <a:cs typeface="Times New Roman" panose="02020603050405020304" pitchFamily="18" charset="0"/>
+              </a:rPr>
+              <a:t>电池剩余使用寿命预测结果</a:t>
+            </a:r>
+            <a:endParaRPr lang="zh-CN" sz="2000" b="1" dirty="0">
+              <a:latin typeface="微软雅黑" panose="020B0503020204020204" pitchFamily="34" charset="-122"/>
+              <a:ea typeface="微软雅黑" panose="020B0503020204020204" pitchFamily="34" charset="-122"/>
+              <a:cs typeface="Times New Roman" panose="02020603050405020304" pitchFamily="18" charset="0"/>
+            </a:endParaRPr>
+          </a:p>
+        </p:txBody>
+      </p:sp>
       <p:pic>
         <p:nvPicPr>
-          <p:cNvPr id="72" name="图片 71">
+          <p:cNvPr id="14" name="图片 13">
             <a:extLst>
               <a:ext uri="{FF2B5EF4-FFF2-40B4-BE49-F238E27FC236}">
-                <a16:creationId xmlns:a16="http://schemas.microsoft.com/office/drawing/2014/main" id="{2BC9DEE9-82AB-FA4E-6B19-28E1F457B06F}"/>
+                <a16:creationId xmlns:a16="http://schemas.microsoft.com/office/drawing/2014/main" id="{06329847-9470-410E-29EC-31E7F0F456EF}"/>
               </a:ext>
             </a:extLst>
           </p:cNvPr>
@@ -4715,68 +4859,20 @@
         </p:blipFill>
         <p:spPr>
           <a:xfrm>
-            <a:off x="9298831" y="17833781"/>
-            <a:ext cx="4860000" cy="3712627"/>
+            <a:off x="9243121" y="17680594"/>
+            <a:ext cx="4860000" cy="3950410"/>
           </a:xfrm>
           <a:prstGeom prst="rect">
             <a:avLst/>
           </a:prstGeom>
         </p:spPr>
       </p:pic>
-      <p:sp>
-        <p:nvSpPr>
-          <p:cNvPr id="77" name="矩形 76">
+      <p:pic>
+        <p:nvPicPr>
+          <p:cNvPr id="16" name="图片 15">
             <a:extLst>
               <a:ext uri="{FF2B5EF4-FFF2-40B4-BE49-F238E27FC236}">
-                <a16:creationId xmlns:a16="http://schemas.microsoft.com/office/drawing/2014/main" id="{45AC16AB-AD17-AEFC-4186-7FCA3043C15E}"/>
-              </a:ext>
-            </a:extLst>
-          </p:cNvPr>
-          <p:cNvSpPr/>
-          <p:nvPr/>
-        </p:nvSpPr>
-        <p:spPr>
-          <a:xfrm>
-            <a:off x="10961467" y="21688261"/>
-            <a:ext cx="2029550" cy="400110"/>
-          </a:xfrm>
-          <a:prstGeom prst="rect">
-            <a:avLst/>
-          </a:prstGeom>
-        </p:spPr>
-        <p:txBody>
-          <a:bodyPr wrap="none">
-            <a:spAutoFit/>
-          </a:bodyPr>
-          <a:lstStyle/>
-          <a:p>
-            <a:r>
-              <a:rPr kumimoji="1" lang="zh-CN" altLang="en-US" sz="2000" b="1" spc="300" dirty="0">
-                <a:solidFill>
-                  <a:schemeClr val="bg2">
-                    <a:lumMod val="25000"/>
-                  </a:schemeClr>
-                </a:solidFill>
-                <a:latin typeface="微软雅黑" panose="020B0503020204020204" pitchFamily="34" charset="-122"/>
-                <a:ea typeface="微软雅黑" panose="020B0503020204020204" pitchFamily="34" charset="-122"/>
-                <a:cs typeface="Times New Roman" panose="02020603050405020304" pitchFamily="18" charset="0"/>
-              </a:rPr>
-              <a:t>电化学阻抗谱</a:t>
-            </a:r>
-            <a:endParaRPr lang="zh-CN" sz="2000" dirty="0">
-              <a:latin typeface="微软雅黑" panose="020B0503020204020204" pitchFamily="34" charset="-122"/>
-              <a:ea typeface="微软雅黑" panose="020B0503020204020204" pitchFamily="34" charset="-122"/>
-              <a:cs typeface="Times New Roman" panose="02020603050405020304" pitchFamily="18" charset="0"/>
-            </a:endParaRPr>
-          </a:p>
-        </p:txBody>
-      </p:sp>
-      <p:pic>
-        <p:nvPicPr>
-          <p:cNvPr id="76" name="图片 75">
-            <a:extLst>
-              <a:ext uri="{FF2B5EF4-FFF2-40B4-BE49-F238E27FC236}">
-                <a16:creationId xmlns:a16="http://schemas.microsoft.com/office/drawing/2014/main" id="{714219EF-164D-9F45-192B-78EA49D2F50C}"/>
+                <a16:creationId xmlns:a16="http://schemas.microsoft.com/office/drawing/2014/main" id="{03927A73-4EFC-8A80-ED68-B917B0F22A0E}"/>
               </a:ext>
             </a:extLst>
           </p:cNvPr>
@@ -4799,68 +4895,20 @@
         </p:blipFill>
         <p:spPr>
           <a:xfrm>
-            <a:off x="9298831" y="22451434"/>
-            <a:ext cx="4860000" cy="3268678"/>
+            <a:off x="9243121" y="22284190"/>
+            <a:ext cx="4860000" cy="3472386"/>
           </a:xfrm>
           <a:prstGeom prst="rect">
             <a:avLst/>
           </a:prstGeom>
         </p:spPr>
       </p:pic>
-      <p:sp>
-        <p:nvSpPr>
-          <p:cNvPr id="78" name="矩形 77">
+      <p:pic>
+        <p:nvPicPr>
+          <p:cNvPr id="23" name="图片 22">
             <a:extLst>
               <a:ext uri="{FF2B5EF4-FFF2-40B4-BE49-F238E27FC236}">
-                <a16:creationId xmlns:a16="http://schemas.microsoft.com/office/drawing/2014/main" id="{CA5D217E-FD51-EBBC-1054-F1B8E1FC2394}"/>
-              </a:ext>
-            </a:extLst>
-          </p:cNvPr>
-          <p:cNvSpPr/>
-          <p:nvPr/>
-        </p:nvSpPr>
-        <p:spPr>
-          <a:xfrm>
-            <a:off x="10961467" y="25929181"/>
-            <a:ext cx="2029550" cy="400110"/>
-          </a:xfrm>
-          <a:prstGeom prst="rect">
-            <a:avLst/>
-          </a:prstGeom>
-        </p:spPr>
-        <p:txBody>
-          <a:bodyPr wrap="none">
-            <a:spAutoFit/>
-          </a:bodyPr>
-          <a:lstStyle/>
-          <a:p>
-            <a:r>
-              <a:rPr kumimoji="1" lang="zh-CN" altLang="en-US" sz="2000" b="1" spc="300" dirty="0">
-                <a:solidFill>
-                  <a:schemeClr val="bg2">
-                    <a:lumMod val="25000"/>
-                  </a:schemeClr>
-                </a:solidFill>
-                <a:latin typeface="微软雅黑" panose="020B0503020204020204" pitchFamily="34" charset="-122"/>
-                <a:ea typeface="微软雅黑" panose="020B0503020204020204" pitchFamily="34" charset="-122"/>
-                <a:cs typeface="Times New Roman" panose="02020603050405020304" pitchFamily="18" charset="0"/>
-              </a:rPr>
-              <a:t>容量预测结果</a:t>
-            </a:r>
-            <a:endParaRPr lang="zh-CN" sz="2000" dirty="0">
-              <a:latin typeface="微软雅黑" panose="020B0503020204020204" pitchFamily="34" charset="-122"/>
-              <a:ea typeface="微软雅黑" panose="020B0503020204020204" pitchFamily="34" charset="-122"/>
-              <a:cs typeface="Times New Roman" panose="02020603050405020304" pitchFamily="18" charset="0"/>
-            </a:endParaRPr>
-          </a:p>
-        </p:txBody>
-      </p:sp>
-      <p:pic>
-        <p:nvPicPr>
-          <p:cNvPr id="74" name="图片 73">
-            <a:extLst>
-              <a:ext uri="{FF2B5EF4-FFF2-40B4-BE49-F238E27FC236}">
-                <a16:creationId xmlns:a16="http://schemas.microsoft.com/office/drawing/2014/main" id="{F95C69D2-6A0F-B94D-F93D-AB6127B2EF64}"/>
+                <a16:creationId xmlns:a16="http://schemas.microsoft.com/office/drawing/2014/main" id="{3B605507-49EB-D595-7966-10E00CEEE0D4}"/>
               </a:ext>
             </a:extLst>
           </p:cNvPr>
@@ -4883,57 +4931,14 @@
         </p:blipFill>
         <p:spPr>
           <a:xfrm>
-            <a:off x="9303104" y="26804038"/>
-            <a:ext cx="4860000" cy="3268677"/>
+            <a:off x="9229991" y="26600329"/>
+            <a:ext cx="4860000" cy="3472386"/>
           </a:xfrm>
           <a:prstGeom prst="rect">
             <a:avLst/>
           </a:prstGeom>
         </p:spPr>
       </p:pic>
-      <p:sp>
-        <p:nvSpPr>
-          <p:cNvPr id="80" name="矩形 79">
-            <a:extLst>
-              <a:ext uri="{FF2B5EF4-FFF2-40B4-BE49-F238E27FC236}">
-                <a16:creationId xmlns:a16="http://schemas.microsoft.com/office/drawing/2014/main" id="{4088E146-BBED-403D-8AFB-19F6C555D414}"/>
-              </a:ext>
-            </a:extLst>
-          </p:cNvPr>
-          <p:cNvSpPr/>
-          <p:nvPr/>
-        </p:nvSpPr>
-        <p:spPr>
-          <a:xfrm>
-            <a:off x="10282287" y="30268534"/>
-            <a:ext cx="3387910" cy="400110"/>
-          </a:xfrm>
-          <a:prstGeom prst="rect">
-            <a:avLst/>
-          </a:prstGeom>
-        </p:spPr>
-        <p:txBody>
-          <a:bodyPr wrap="none">
-            <a:spAutoFit/>
-          </a:bodyPr>
-          <a:lstStyle/>
-          <a:p>
-            <a:r>
-              <a:rPr lang="zh-CN" altLang="en-US" sz="2000" b="1" dirty="0">
-                <a:latin typeface="微软雅黑" panose="020B0503020204020204" pitchFamily="34" charset="-122"/>
-                <a:ea typeface="微软雅黑" panose="020B0503020204020204" pitchFamily="34" charset="-122"/>
-                <a:cs typeface="Times New Roman" panose="02020603050405020304" pitchFamily="18" charset="0"/>
-              </a:rPr>
-              <a:t>电池剩余使用寿命预测结果</a:t>
-            </a:r>
-            <a:endParaRPr lang="zh-CN" sz="2000" b="1" dirty="0">
-              <a:latin typeface="微软雅黑" panose="020B0503020204020204" pitchFamily="34" charset="-122"/>
-              <a:ea typeface="微软雅黑" panose="020B0503020204020204" pitchFamily="34" charset="-122"/>
-              <a:cs typeface="Times New Roman" panose="02020603050405020304" pitchFamily="18" charset="0"/>
-            </a:endParaRPr>
-          </a:p>
-        </p:txBody>
-      </p:sp>
     </p:spTree>
   </p:cSld>
   <p:clrMapOvr>
